--- a/SIP Slides_25204_Shahidan bin Idris_EE.pptx
+++ b/SIP Slides_25204_Shahidan bin Idris_EE.pptx
@@ -150,14 +150,6 @@
     </p:ext>
   </p:extLst>
 </p:presentation>
-</file>
-
-<file path=ppt/revisionInfo.xml><?xml version="1.0" encoding="utf-8"?>
-<p1510:revInfo xmlns:a="http://schemas.openxmlformats.org/drawingml/2006/main" xmlns:r="http://schemas.openxmlformats.org/officeDocument/2006/relationships" xmlns:p1510="http://schemas.microsoft.com/office/powerpoint/2015/10/main">
-  <p1510:revLst>
-    <p1510:client id="{C81CC615-4350-4B30-90DF-DF760D3FC0B7}" v="391" dt="2020-12-11T05:30:27.479"/>
-  </p1510:revLst>
-</p1510:revInfo>
 </file>
 
 <file path=ppt/changesInfos/changesInfo1.xml><?xml version="1.0" encoding="utf-8"?>
@@ -2452,6 +2444,30 @@
       </pc:sldChg>
     </pc:docChg>
   </pc:docChgLst>
+  <pc:docChgLst>
+    <pc:chgData name="Idris, Shahidan" userId="78f5fdce-5d94-48ec-8dfc-9faf6b8ae850" providerId="ADAL" clId="{6D9B3EAA-4FB8-404E-8B22-6DFD72221D98}"/>
+    <pc:docChg chg="undo modSld">
+      <pc:chgData name="Idris, Shahidan" userId="78f5fdce-5d94-48ec-8dfc-9faf6b8ae850" providerId="ADAL" clId="{6D9B3EAA-4FB8-404E-8B22-6DFD72221D98}" dt="2020-12-16T05:13:44.531" v="42" actId="20577"/>
+      <pc:docMkLst>
+        <pc:docMk/>
+      </pc:docMkLst>
+      <pc:sldChg chg="modSp">
+        <pc:chgData name="Idris, Shahidan" userId="78f5fdce-5d94-48ec-8dfc-9faf6b8ae850" providerId="ADAL" clId="{6D9B3EAA-4FB8-404E-8B22-6DFD72221D98}" dt="2020-12-16T05:13:44.531" v="42" actId="20577"/>
+        <pc:sldMkLst>
+          <pc:docMk/>
+          <pc:sldMk cId="729086239" sldId="258"/>
+        </pc:sldMkLst>
+        <pc:spChg chg="mod">
+          <ac:chgData name="Idris, Shahidan" userId="78f5fdce-5d94-48ec-8dfc-9faf6b8ae850" providerId="ADAL" clId="{6D9B3EAA-4FB8-404E-8B22-6DFD72221D98}" dt="2020-12-16T05:13:44.531" v="42" actId="20577"/>
+          <ac:spMkLst>
+            <pc:docMk/>
+            <pc:sldMk cId="729086239" sldId="258"/>
+            <ac:spMk id="3" creationId="{3EF89285-7A07-5748-80DA-436CCEA89B92}"/>
+          </ac:spMkLst>
+        </pc:spChg>
+      </pc:sldChg>
+    </pc:docChg>
+  </pc:docChgLst>
 </pc:chgInfo>
 </file>
 
@@ -2537,7 +2553,7 @@
           <a:p>
             <a:fld id="{1BFB8744-0EBA-B848-8D23-9046A3FA4C35}" type="datetimeFigureOut">
               <a:rPr lang="en-GB" smtClean="0"/>
-              <a:t>11/12/2020</a:t>
+              <a:t>16/12/2020</a:t>
             </a:fld>
             <a:endParaRPr lang="en-GB"/>
           </a:p>
@@ -3037,7 +3053,7 @@
           <a:p>
             <a:fld id="{4B415C50-3908-AA40-99C3-7A512462F62A}" type="datetime1">
               <a:rPr lang="en-MY" smtClean="0"/>
-              <a:t>11/12/2020</a:t>
+              <a:t>16/12/2020</a:t>
             </a:fld>
             <a:endParaRPr lang="en-US"/>
           </a:p>
@@ -3237,7 +3253,7 @@
           <a:p>
             <a:fld id="{E0A53688-2C89-1344-8621-3C864D1619C0}" type="datetime1">
               <a:rPr lang="en-MY" smtClean="0"/>
-              <a:t>11/12/2020</a:t>
+              <a:t>16/12/2020</a:t>
             </a:fld>
             <a:endParaRPr lang="en-US"/>
           </a:p>
@@ -3447,7 +3463,7 @@
           <a:p>
             <a:fld id="{6DF3C688-67E7-2F4E-96E0-83E32CB75F9F}" type="datetime1">
               <a:rPr lang="en-MY" smtClean="0"/>
-              <a:t>11/12/2020</a:t>
+              <a:t>16/12/2020</a:t>
             </a:fld>
             <a:endParaRPr lang="en-US"/>
           </a:p>
@@ -3647,7 +3663,7 @@
           <a:p>
             <a:fld id="{EF7A23B5-642C-2342-A951-53E4B5ADE7E5}" type="datetime1">
               <a:rPr lang="en-MY" smtClean="0"/>
-              <a:t>11/12/2020</a:t>
+              <a:t>16/12/2020</a:t>
             </a:fld>
             <a:endParaRPr lang="en-US"/>
           </a:p>
@@ -3923,7 +3939,7 @@
           <a:p>
             <a:fld id="{1F035F6F-E867-8246-96A3-9398B45E2EB8}" type="datetime1">
               <a:rPr lang="en-MY" smtClean="0"/>
-              <a:t>11/12/2020</a:t>
+              <a:t>16/12/2020</a:t>
             </a:fld>
             <a:endParaRPr lang="en-US"/>
           </a:p>
@@ -4191,7 +4207,7 @@
           <a:p>
             <a:fld id="{E9A09E89-80AF-7E48-AC83-BBF0D773C7D1}" type="datetime1">
               <a:rPr lang="en-MY" smtClean="0"/>
-              <a:t>11/12/2020</a:t>
+              <a:t>16/12/2020</a:t>
             </a:fld>
             <a:endParaRPr lang="en-US"/>
           </a:p>
@@ -4606,7 +4622,7 @@
           <a:p>
             <a:fld id="{F7F4EC16-0B09-C448-8F0B-CE2EDDF70116}" type="datetime1">
               <a:rPr lang="en-MY" smtClean="0"/>
-              <a:t>11/12/2020</a:t>
+              <a:t>16/12/2020</a:t>
             </a:fld>
             <a:endParaRPr lang="en-US"/>
           </a:p>
@@ -4748,7 +4764,7 @@
           <a:p>
             <a:fld id="{B8FE8F91-2822-4148-BE7F-643C47FD57E7}" type="datetime1">
               <a:rPr lang="en-MY" smtClean="0"/>
-              <a:t>11/12/2020</a:t>
+              <a:t>16/12/2020</a:t>
             </a:fld>
             <a:endParaRPr lang="en-US"/>
           </a:p>
@@ -4861,7 +4877,7 @@
           <a:p>
             <a:fld id="{98779CE6-C28E-1844-A9B4-9229A0039AC0}" type="datetime1">
               <a:rPr lang="en-MY" smtClean="0"/>
-              <a:t>11/12/2020</a:t>
+              <a:t>16/12/2020</a:t>
             </a:fld>
             <a:endParaRPr lang="en-US"/>
           </a:p>
@@ -5174,7 +5190,7 @@
           <a:p>
             <a:fld id="{B3A2ADC0-F667-474B-8DF1-357AA3594955}" type="datetime1">
               <a:rPr lang="en-MY" smtClean="0"/>
-              <a:t>11/12/2020</a:t>
+              <a:t>16/12/2020</a:t>
             </a:fld>
             <a:endParaRPr lang="en-US"/>
           </a:p>
@@ -5463,7 +5479,7 @@
           <a:p>
             <a:fld id="{A9B3E60C-5073-F44A-ACA8-197723C2B831}" type="datetime1">
               <a:rPr lang="en-MY" smtClean="0"/>
-              <a:t>11/12/2020</a:t>
+              <a:t>16/12/2020</a:t>
             </a:fld>
             <a:endParaRPr lang="en-US"/>
           </a:p>
@@ -5706,7 +5722,7 @@
           <a:p>
             <a:fld id="{D285B5C5-5FE2-0C4A-A3C1-129FE698EFE8}" type="datetime1">
               <a:rPr lang="en-MY" smtClean="0"/>
-              <a:t>11/12/2020</a:t>
+              <a:t>16/12/2020</a:t>
             </a:fld>
             <a:endParaRPr lang="en-US"/>
           </a:p>
@@ -15389,7 +15405,7 @@
                 <a:latin typeface="Arial" panose="020B0604020202020204" pitchFamily="34" charset="0"/>
                 <a:cs typeface="Arial" panose="020B0604020202020204" pitchFamily="34" charset="0"/>
               </a:rPr>
-              <a:t>Introduction</a:t>
+              <a:t>Introduction				3</a:t>
             </a:r>
           </a:p>
           <a:p>
@@ -15408,7 +15424,7 @@
                 <a:latin typeface="Arial" panose="020B0604020202020204" pitchFamily="34" charset="0"/>
                 <a:cs typeface="Arial" panose="020B0604020202020204" pitchFamily="34" charset="0"/>
               </a:rPr>
-              <a:t>Problem Statement</a:t>
+              <a:t>Problem Statement			4</a:t>
             </a:r>
           </a:p>
           <a:p>
@@ -15427,7 +15443,7 @@
                 <a:latin typeface="Arial" panose="020B0604020202020204" pitchFamily="34" charset="0"/>
                 <a:cs typeface="Arial" panose="020B0604020202020204" pitchFamily="34" charset="0"/>
               </a:rPr>
-              <a:t>Objectives</a:t>
+              <a:t>Objectives				5</a:t>
             </a:r>
           </a:p>
           <a:p>
@@ -15446,7 +15462,7 @@
                 <a:latin typeface="Arial" panose="020B0604020202020204" pitchFamily="34" charset="0"/>
                 <a:cs typeface="Arial" panose="020B0604020202020204" pitchFamily="34" charset="0"/>
               </a:rPr>
-              <a:t>Methodology</a:t>
+              <a:t>Methodology				7</a:t>
             </a:r>
           </a:p>
           <a:p>
@@ -15465,7 +15481,7 @@
                 <a:latin typeface="Arial" panose="020B0604020202020204" pitchFamily="34" charset="0"/>
                 <a:cs typeface="Arial" panose="020B0604020202020204" pitchFamily="34" charset="0"/>
               </a:rPr>
-              <a:t>Results &amp; Discussion</a:t>
+              <a:t>Results &amp; Discussion			34</a:t>
             </a:r>
           </a:p>
           <a:p>
@@ -15484,7 +15500,7 @@
                 <a:latin typeface="Arial" panose="020B0604020202020204" pitchFamily="34" charset="0"/>
                 <a:cs typeface="Arial" panose="020B0604020202020204" pitchFamily="34" charset="0"/>
               </a:rPr>
-              <a:t>Conclusion</a:t>
+              <a:t>Conclusion				36</a:t>
             </a:r>
           </a:p>
           <a:p>
@@ -15496,15 +15512,22 @@
               <a:buChar char="•"/>
             </a:pPr>
             <a:r>
-              <a:rPr lang="en-GB" sz="2000" b="1" dirty="0">
+              <a:rPr lang="en-GB" sz="2000" b="1">
                 <a:solidFill>
                   <a:schemeClr val="bg1"/>
                 </a:solidFill>
                 <a:latin typeface="Arial" panose="020B0604020202020204" pitchFamily="34" charset="0"/>
                 <a:cs typeface="Arial" panose="020B0604020202020204" pitchFamily="34" charset="0"/>
               </a:rPr>
-              <a:t>Recommendations</a:t>
-            </a:r>
+              <a:t>Recommendations			37</a:t>
+            </a:r>
+            <a:endParaRPr lang="en-GB" sz="2000" b="1" dirty="0">
+              <a:solidFill>
+                <a:schemeClr val="bg1"/>
+              </a:solidFill>
+              <a:latin typeface="Arial" panose="020B0604020202020204" pitchFamily="34" charset="0"/>
+              <a:cs typeface="Arial" panose="020B0604020202020204" pitchFamily="34" charset="0"/>
+            </a:endParaRPr>
           </a:p>
         </p:txBody>
       </p:sp>
